--- a/tutorial12.pptx
+++ b/tutorial12.pptx
@@ -9699,31 +9699,35 @@
           </a:p>
         </p:txBody>
       </p:sp>
-      <p:sp>
-        <p:nvSpPr>
-          <p:cNvPr id="4" name="Content Placeholder 3">
+      <p:pic>
+        <p:nvPicPr>
+          <p:cNvPr id="3" name="Content Placeholder 2" descr="A screenshot of a cell phone&#10;&#10;Description automatically generated">
             <a:extLst>
               <a:ext uri="{FF2B5EF4-FFF2-40B4-BE49-F238E27FC236}">
-                <a16:creationId xmlns:a16="http://schemas.microsoft.com/office/drawing/2014/main" id="{7670D4A6-9B11-FC48-AFAF-22F21B9CD75E}"/>
+                <a16:creationId xmlns:a16="http://schemas.microsoft.com/office/drawing/2014/main" id="{4AFEB708-C4D4-A041-AC8B-660C00241259}"/>
               </a:ext>
             </a:extLst>
           </p:cNvPr>
-          <p:cNvSpPr>
-            <a:spLocks noGrp="1"/>
-          </p:cNvSpPr>
+          <p:cNvPicPr>
+            <a:picLocks noGrp="1" noChangeAspect="1"/>
+          </p:cNvPicPr>
           <p:nvPr>
             <p:ph idx="1"/>
           </p:nvPr>
-        </p:nvSpPr>
-        <p:spPr/>
-        <p:txBody>
-          <a:bodyPr/>
-          <a:lstStyle/>
-          <a:p>
-            <a:endParaRPr lang="en-DE" dirty="0"/>
-          </a:p>
-        </p:txBody>
-      </p:sp>
+        </p:nvPicPr>
+        <p:blipFill>
+          <a:blip r:embed="rId2"/>
+          <a:stretch>
+            <a:fillRect/>
+          </a:stretch>
+        </p:blipFill>
+        <p:spPr>
+          <a:xfrm>
+            <a:off x="1563247" y="2145546"/>
+            <a:ext cx="7803811" cy="3979862"/>
+          </a:xfrm>
+        </p:spPr>
+      </p:pic>
       <p:sp>
         <p:nvSpPr>
           <p:cNvPr id="7" name="Title 6">
@@ -10840,31 +10844,35 @@
           </a:p>
         </p:txBody>
       </p:sp>
-      <p:sp>
-        <p:nvSpPr>
-          <p:cNvPr id="4" name="Content Placeholder 3">
+      <p:pic>
+        <p:nvPicPr>
+          <p:cNvPr id="3" name="Content Placeholder 2" descr="A screenshot of a cell phone&#10;&#10;Description automatically generated">
             <a:extLst>
               <a:ext uri="{FF2B5EF4-FFF2-40B4-BE49-F238E27FC236}">
-                <a16:creationId xmlns:a16="http://schemas.microsoft.com/office/drawing/2014/main" id="{7670D4A6-9B11-FC48-AFAF-22F21B9CD75E}"/>
+                <a16:creationId xmlns:a16="http://schemas.microsoft.com/office/drawing/2014/main" id="{EBAEA57A-5114-4D42-9C12-8739B23A7B68}"/>
               </a:ext>
             </a:extLst>
           </p:cNvPr>
-          <p:cNvSpPr>
-            <a:spLocks noGrp="1"/>
-          </p:cNvSpPr>
+          <p:cNvPicPr>
+            <a:picLocks noGrp="1" noChangeAspect="1"/>
+          </p:cNvPicPr>
           <p:nvPr>
             <p:ph idx="1"/>
           </p:nvPr>
-        </p:nvSpPr>
-        <p:spPr/>
-        <p:txBody>
-          <a:bodyPr/>
-          <a:lstStyle/>
-          <a:p>
-            <a:endParaRPr lang="en-DE" dirty="0"/>
-          </a:p>
-        </p:txBody>
-      </p:sp>
+        </p:nvPicPr>
+        <p:blipFill>
+          <a:blip r:embed="rId2"/>
+          <a:stretch>
+            <a:fillRect/>
+          </a:stretch>
+        </p:blipFill>
+        <p:spPr>
+          <a:xfrm>
+            <a:off x="550863" y="3138265"/>
+            <a:ext cx="11090275" cy="1929258"/>
+          </a:xfrm>
+        </p:spPr>
+      </p:pic>
       <p:sp>
         <p:nvSpPr>
           <p:cNvPr id="7" name="Title 6">
@@ -11981,31 +11989,35 @@
           </a:p>
         </p:txBody>
       </p:sp>
-      <p:sp>
-        <p:nvSpPr>
-          <p:cNvPr id="4" name="Content Placeholder 3">
+      <p:pic>
+        <p:nvPicPr>
+          <p:cNvPr id="3" name="Content Placeholder 2" descr="A screenshot of a social media post&#10;&#10;Description automatically generated">
             <a:extLst>
               <a:ext uri="{FF2B5EF4-FFF2-40B4-BE49-F238E27FC236}">
-                <a16:creationId xmlns:a16="http://schemas.microsoft.com/office/drawing/2014/main" id="{7670D4A6-9B11-FC48-AFAF-22F21B9CD75E}"/>
+                <a16:creationId xmlns:a16="http://schemas.microsoft.com/office/drawing/2014/main" id="{783A43FE-4E84-8C4B-ACA4-DAD948E3BFC7}"/>
               </a:ext>
             </a:extLst>
           </p:cNvPr>
-          <p:cNvSpPr>
-            <a:spLocks noGrp="1"/>
-          </p:cNvSpPr>
+          <p:cNvPicPr>
+            <a:picLocks noGrp="1" noChangeAspect="1"/>
+          </p:cNvPicPr>
           <p:nvPr>
             <p:ph idx="1"/>
           </p:nvPr>
-        </p:nvSpPr>
-        <p:spPr/>
-        <p:txBody>
-          <a:bodyPr/>
-          <a:lstStyle/>
-          <a:p>
-            <a:endParaRPr lang="en-DE" dirty="0"/>
-          </a:p>
-        </p:txBody>
-      </p:sp>
+        </p:nvPicPr>
+        <p:blipFill>
+          <a:blip r:embed="rId2"/>
+          <a:stretch>
+            <a:fillRect/>
+          </a:stretch>
+        </p:blipFill>
+        <p:spPr>
+          <a:xfrm>
+            <a:off x="550863" y="2203874"/>
+            <a:ext cx="11090275" cy="3798039"/>
+          </a:xfrm>
+        </p:spPr>
+      </p:pic>
       <p:sp>
         <p:nvSpPr>
           <p:cNvPr id="7" name="Title 6">
